--- a/sapphire.pptx
+++ b/sapphire.pptx
@@ -2628,8 +2628,8 @@
         </p:nvSpPr>
         <p:spPr>
           <a:xfrm>
-            <a:off x="1889125" y="625475"/>
-            <a:ext cx="2044065" cy="1745615"/>
+            <a:off x="991235" y="625475"/>
+            <a:ext cx="2941955" cy="6591935"/>
           </a:xfrm>
           <a:prstGeom prst="rect">
             <a:avLst/>
@@ -2764,17 +2764,180 @@
       </p:sp>
       <p:cxnSp>
         <p:nvCxnSpPr>
-          <p:cNvPr id="6" name="直接箭头连接符 5"/>
+          <p:cNvPr id="2" name="直接箭头连接符 1"/>
+          <p:cNvCxnSpPr/>
+          <p:nvPr/>
+        </p:nvCxnSpPr>
+        <p:spPr>
+          <a:xfrm flipH="1" flipV="1">
+            <a:off x="3933190" y="1473835"/>
+            <a:ext cx="1353820" cy="48895"/>
+          </a:xfrm>
+          <a:prstGeom prst="straightConnector1">
+            <a:avLst/>
+          </a:prstGeom>
+          <a:ln>
+            <a:tailEnd type="arrow"/>
+          </a:ln>
+        </p:spPr>
+        <p:style>
+          <a:lnRef idx="1">
+            <a:schemeClr val="accent1"/>
+          </a:lnRef>
+          <a:fillRef idx="0">
+            <a:schemeClr val="accent1"/>
+          </a:fillRef>
+          <a:effectRef idx="0">
+            <a:schemeClr val="accent1"/>
+          </a:effectRef>
+          <a:fontRef idx="minor">
+            <a:schemeClr val="tx1"/>
+          </a:fontRef>
+        </p:style>
+      </p:cxnSp>
+      <p:sp>
+        <p:nvSpPr>
+          <p:cNvPr id="3" name="圆角矩形 2"/>
+          <p:cNvSpPr/>
+          <p:nvPr/>
+        </p:nvSpPr>
+        <p:spPr>
+          <a:xfrm>
+            <a:off x="1344295" y="4350385"/>
+            <a:ext cx="2235835" cy="881380"/>
+          </a:xfrm>
+          <a:prstGeom prst="roundRect">
+            <a:avLst/>
+          </a:prstGeom>
+        </p:spPr>
+        <p:style>
+          <a:lnRef idx="2">
+            <a:schemeClr val="accent4">
+              <a:shade val="50000"/>
+            </a:schemeClr>
+          </a:lnRef>
+          <a:fillRef idx="1">
+            <a:schemeClr val="accent4"/>
+          </a:fillRef>
+          <a:effectRef idx="0">
+            <a:schemeClr val="accent4"/>
+          </a:effectRef>
+          <a:fontRef idx="minor">
+            <a:schemeClr val="lt1"/>
+          </a:fontRef>
+        </p:style>
+        <p:txBody>
+          <a:bodyPr rtlCol="0" anchor="ctr"/>
+          <a:p>
+            <a:pPr algn="ctr"/>
+            <a:r>
+              <a:rPr lang="en-US" altLang="zh-CN"/>
+              <a:t>Setup</a:t>
+            </a:r>
+            <a:endParaRPr lang="zh-CN" altLang="zh-CN"/>
+          </a:p>
+          <a:p>
+            <a:pPr algn="ctr"/>
+            <a:r>
+              <a:rPr lang="zh-CN" altLang="zh-CN"/>
+              <a:t>修改引擎设置参数</a:t>
+            </a:r>
+            <a:endParaRPr lang="zh-CN" altLang="zh-CN"/>
+          </a:p>
+        </p:txBody>
+      </p:sp>
+      <p:sp>
+        <p:nvSpPr>
+          <p:cNvPr id="7" name="圆角矩形 6"/>
+          <p:cNvSpPr/>
+          <p:nvPr/>
+        </p:nvSpPr>
+        <p:spPr>
+          <a:xfrm>
+            <a:off x="1433830" y="5724525"/>
+            <a:ext cx="2056765" cy="767080"/>
+          </a:xfrm>
+          <a:prstGeom prst="roundRect">
+            <a:avLst/>
+          </a:prstGeom>
+        </p:spPr>
+        <p:style>
+          <a:lnRef idx="2">
+            <a:schemeClr val="accent4">
+              <a:shade val="50000"/>
+            </a:schemeClr>
+          </a:lnRef>
+          <a:fillRef idx="1">
+            <a:schemeClr val="accent4"/>
+          </a:fillRef>
+          <a:effectRef idx="0">
+            <a:schemeClr val="accent4"/>
+          </a:effectRef>
+          <a:fontRef idx="minor">
+            <a:schemeClr val="lt1"/>
+          </a:fontRef>
+        </p:style>
+        <p:txBody>
+          <a:bodyPr rtlCol="0" anchor="ctr"/>
+          <a:p>
+            <a:pPr algn="ctr"/>
+            <a:r>
+              <a:rPr lang="en-US" altLang="zh-CN"/>
+              <a:t>InitializeEngine</a:t>
+            </a:r>
+            <a:endParaRPr lang="en-US" altLang="zh-CN"/>
+          </a:p>
+        </p:txBody>
+      </p:sp>
+      <p:cxnSp>
+        <p:nvCxnSpPr>
+          <p:cNvPr id="8" name="直接箭头连接符 7"/>
           <p:cNvCxnSpPr>
-            <a:stCxn id="4" idx="3"/>
-            <a:endCxn id="5" idx="1"/>
+            <a:stCxn id="3" idx="2"/>
+            <a:endCxn id="7" idx="0"/>
           </p:cNvCxnSpPr>
           <p:nvPr/>
         </p:nvCxnSpPr>
         <p:spPr>
           <a:xfrm>
-            <a:off x="3933190" y="1498600"/>
-            <a:ext cx="1353820" cy="48895"/>
+            <a:off x="2462530" y="5231765"/>
+            <a:ext cx="0" cy="492760"/>
+          </a:xfrm>
+          <a:prstGeom prst="straightConnector1">
+            <a:avLst/>
+          </a:prstGeom>
+          <a:ln>
+            <a:tailEnd type="arrow"/>
+          </a:ln>
+        </p:spPr>
+        <p:style>
+          <a:lnRef idx="1">
+            <a:schemeClr val="accent1"/>
+          </a:lnRef>
+          <a:fillRef idx="0">
+            <a:schemeClr val="accent1"/>
+          </a:fillRef>
+          <a:effectRef idx="0">
+            <a:schemeClr val="accent1"/>
+          </a:effectRef>
+          <a:fontRef idx="minor">
+            <a:schemeClr val="tx1"/>
+          </a:fontRef>
+        </p:style>
+      </p:cxnSp>
+      <p:cxnSp>
+        <p:nvCxnSpPr>
+          <p:cNvPr id="9" name="直接箭头连接符 8"/>
+          <p:cNvCxnSpPr>
+            <a:stCxn id="3" idx="2"/>
+            <a:endCxn id="7" idx="0"/>
+          </p:cNvCxnSpPr>
+          <p:nvPr/>
+        </p:nvCxnSpPr>
+        <p:spPr>
+          <a:xfrm>
+            <a:off x="2462530" y="5231765"/>
+            <a:ext cx="0" cy="492760"/>
           </a:xfrm>
           <a:prstGeom prst="straightConnector1">
             <a:avLst/>
